--- a/프로토타입5-4(김주호,신동윤,이승해).pptx
+++ b/프로토타입5-4(김주호,신동윤,이승해).pptx
@@ -41,7 +41,7 @@
       <p:bold r:id="rId25"/>
     </p:embeddedFont>
     <p:embeddedFont>
-      <p:font typeface="BusanBada" panose="020B0600000101010101" charset="-127"/>
+      <p:font typeface="BusanBada" panose="02000603000000000000" pitchFamily="2" charset="-127"/>
       <p:regular r:id="rId26"/>
     </p:embeddedFont>
   </p:embeddedFontLst>
@@ -253,7 +253,7 @@
           <a:p>
             <a:fld id="{F701ED78-49E0-4E51-B0FE-94D8117D6F55}" type="datetimeFigureOut">
               <a:rPr lang="ko-KR" altLang="en-US" smtClean="0"/>
-              <a:t>2018-04-24</a:t>
+              <a:t>2018-04-26</a:t>
             </a:fld>
             <a:endParaRPr lang="ko-KR" altLang="en-US"/>
           </a:p>
@@ -435,7 +435,7 @@
           <a:p>
             <a:fld id="{65E8591E-1BDA-4B2C-AB29-76367E19820D}" type="datetimeFigureOut">
               <a:rPr lang="ko-KR" altLang="en-US" smtClean="0"/>
-              <a:t>2018-04-24</a:t>
+              <a:t>2018-04-26</a:t>
             </a:fld>
             <a:endParaRPr lang="ko-KR" altLang="en-US"/>
           </a:p>
@@ -11459,7 +11459,7 @@
         <p:spPr>
           <a:xfrm>
             <a:off x="958588" y="98648"/>
-            <a:ext cx="4477508" cy="769441"/>
+            <a:ext cx="2951449" cy="769441"/>
           </a:xfrm>
           <a:prstGeom prst="rect">
             <a:avLst/>
@@ -11473,13 +11473,13 @@
           <a:lstStyle/>
           <a:p>
             <a:r>
-              <a:rPr lang="en-US" altLang="ko-KR" sz="4400" dirty="0">
+              <a:rPr lang="en-US" altLang="ko-KR" sz="4400">
                 <a:latin typeface="+mj-ea"/>
               </a:rPr>
               <a:t>1</a:t>
             </a:r>
             <a:r>
-              <a:rPr lang="en-US" altLang="ko-KR" sz="4400" dirty="0">
+              <a:rPr lang="en-US" altLang="ko-KR" sz="4400">
                 <a:solidFill>
                   <a:srgbClr val="FFC22B"/>
                 </a:solidFill>
@@ -11489,14 +11489,14 @@
               <a:t> </a:t>
             </a:r>
             <a:r>
-              <a:rPr lang="ko-KR" altLang="en-US" sz="4400" dirty="0">
+              <a:rPr lang="ko-KR" altLang="en-US" sz="4400">
                 <a:solidFill>
                   <a:srgbClr val="FFC22B"/>
                 </a:solidFill>
                 <a:latin typeface="+mj-ea"/>
                 <a:ea typeface="+mj-ea"/>
               </a:rPr>
-              <a:t>종합 설계 개요</a:t>
+              <a:t>지적사항</a:t>
             </a:r>
             <a:endParaRPr lang="ko-KR" altLang="en-US" sz="4400" dirty="0">
               <a:latin typeface="+mj-ea"/>
